--- a/model_testing_explanation.pptx
+++ b/model_testing_explanation.pptx
@@ -18321,14 +18321,14 @@
           <a:p>
             <a:r>
               <a:rPr lang="en-US" sz="2400" b="1" dirty="0"/>
-              <a:t>Performance metric (“accuracy”)</a:t>
+              <a:t>Performance metric</a:t>
             </a:r>
           </a:p>
           <a:p>
             <a:pPr lvl="1"/>
             <a:r>
               <a:rPr lang="en-US" sz="2000" dirty="0"/>
-              <a:t>Mean of the absolute percentage differences between the predicted and the actual price</a:t>
+              <a:t>Mean of the absolute percentage difference between the predicted and the actual price</a:t>
             </a:r>
             <a:br>
               <a:rPr lang="en-US" sz="2000" dirty="0"/>
@@ -18388,14 +18388,14 @@
           <p:nvPr>
             <p:extLst>
               <p:ext uri="{D42A27DB-BD31-4B8C-83A1-F6EECF244321}">
-                <p14:modId xmlns:p14="http://schemas.microsoft.com/office/powerpoint/2010/main" val="1228161975"/>
+                <p14:modId xmlns:p14="http://schemas.microsoft.com/office/powerpoint/2010/main" val="2584076915"/>
               </p:ext>
             </p:extLst>
           </p:nvPr>
         </p:nvGraphicFramePr>
         <p:xfrm>
           <a:off x="4911252" y="5121018"/>
-          <a:ext cx="5558808" cy="1341120"/>
+          <a:ext cx="4458991" cy="1341120"/>
         </p:xfrm>
         <a:graphic>
           <a:graphicData uri="http://schemas.openxmlformats.org/drawingml/2006/table">
@@ -18404,14 +18404,14 @@
                 <a:tableStyleId>{00A15C55-8517-42AA-B614-E9B94910E393}</a:tableStyleId>
               </a:tblPr>
               <a:tblGrid>
-                <a:gridCol w="2757855">
+                <a:gridCol w="2469936">
                   <a:extLst>
                     <a:ext uri="{9D8B030D-6E8A-4147-A177-3AD203B41FA5}">
                       <a16:colId xmlns:a16="http://schemas.microsoft.com/office/drawing/2014/main" val="774290454"/>
                     </a:ext>
                   </a:extLst>
                 </a:gridCol>
-                <a:gridCol w="2800953">
+                <a:gridCol w="1989055">
                   <a:extLst>
                     <a:ext uri="{9D8B030D-6E8A-4147-A177-3AD203B41FA5}">
                       <a16:colId xmlns:a16="http://schemas.microsoft.com/office/drawing/2014/main" val="3949084759"/>
@@ -18440,7 +18440,7 @@
                     <a:p>
                       <a:r>
                         <a:rPr lang="en-US" sz="1600" dirty="0"/>
-                        <a:t>Overall “Accuracy”</a:t>
+                        <a:t>Overall % Difference</a:t>
                       </a:r>
                     </a:p>
                   </a:txBody>
@@ -18449,39 +18449,6 @@
                 <a:extLst>
                   <a:ext uri="{0D108BD9-81ED-4DB2-BD59-A6C34878D82A}">
                     <a16:rowId xmlns:a16="http://schemas.microsoft.com/office/drawing/2014/main" val="135360293"/>
-                  </a:ext>
-                </a:extLst>
-              </a:tr>
-              <a:tr h="323187">
-                <a:tc>
-                  <a:txBody>
-                    <a:bodyPr/>
-                    <a:lstStyle/>
-                    <a:p>
-                      <a:r>
-                        <a:rPr lang="en-US" sz="1600" dirty="0"/>
-                        <a:t>Linear Regression</a:t>
-                      </a:r>
-                    </a:p>
-                  </a:txBody>
-                  <a:tcPr/>
-                </a:tc>
-                <a:tc>
-                  <a:txBody>
-                    <a:bodyPr/>
-                    <a:lstStyle/>
-                    <a:p>
-                      <a:r>
-                        <a:rPr lang="en-US" sz="1600" dirty="0"/>
-                        <a:t>25.2%</a:t>
-                      </a:r>
-                    </a:p>
-                  </a:txBody>
-                  <a:tcPr/>
-                </a:tc>
-                <a:extLst>
-                  <a:ext uri="{0D108BD9-81ED-4DB2-BD59-A6C34878D82A}">
-                    <a16:rowId xmlns:a16="http://schemas.microsoft.com/office/drawing/2014/main" val="3714223249"/>
                   </a:ext>
                 </a:extLst>
               </a:tr>
@@ -18565,6 +18532,39 @@
                 <a:extLst>
                   <a:ext uri="{0D108BD9-81ED-4DB2-BD59-A6C34878D82A}">
                     <a16:rowId xmlns:a16="http://schemas.microsoft.com/office/drawing/2014/main" val="2788478601"/>
+                  </a:ext>
+                </a:extLst>
+              </a:tr>
+              <a:tr h="323187">
+                <a:tc>
+                  <a:txBody>
+                    <a:bodyPr/>
+                    <a:lstStyle/>
+                    <a:p>
+                      <a:r>
+                        <a:rPr lang="en-US" sz="1600" dirty="0"/>
+                        <a:t>Linear Regression</a:t>
+                      </a:r>
+                    </a:p>
+                  </a:txBody>
+                  <a:tcPr/>
+                </a:tc>
+                <a:tc>
+                  <a:txBody>
+                    <a:bodyPr/>
+                    <a:lstStyle/>
+                    <a:p>
+                      <a:r>
+                        <a:rPr lang="en-US" sz="1600" dirty="0"/>
+                        <a:t>25.2%</a:t>
+                      </a:r>
+                    </a:p>
+                  </a:txBody>
+                  <a:tcPr/>
+                </a:tc>
+                <a:extLst>
+                  <a:ext uri="{0D108BD9-81ED-4DB2-BD59-A6C34878D82A}">
+                    <a16:rowId xmlns:a16="http://schemas.microsoft.com/office/drawing/2014/main" val="2634325542"/>
                   </a:ext>
                 </a:extLst>
               </a:tr>
@@ -18861,7 +18861,7 @@
           <a:lstStyle/>
           <a:p>
             <a:r>
-              <a:rPr lang="en-US" sz="4800" b="1" dirty="0"/>
+              <a:rPr lang="en-US" sz="4800" dirty="0"/>
               <a:t>TEST set data only!</a:t>
             </a:r>
           </a:p>
@@ -19183,10 +19183,9 @@
           <a:lstStyle/>
           <a:p>
             <a:r>
-              <a:rPr lang="en-US" b="1" dirty="0"/>
+              <a:rPr lang="en-US" dirty="0"/>
               <a:t>Why and Where to Apply Feature Scaling?</a:t>
             </a:r>
-            <a:endParaRPr lang="en-US" dirty="0"/>
           </a:p>
         </p:txBody>
       </p:sp>
@@ -19990,7 +19989,7 @@
                             </p:stCondLst>
                             <p:childTnLst>
                               <p:par>
-                                <p:cTn id="5" presetID="10" presetClass="entr" presetSubtype="0" fill="hold" grpId="0" nodeType="clickEffect">
+                                <p:cTn id="5" presetID="1" presetClass="entr" presetSubtype="0" fill="hold" grpId="0" nodeType="clickEffect">
                                   <p:stCondLst>
                                     <p:cond delay="0"/>
                                   </p:stCondLst>
@@ -20013,14 +20012,6 @@
                                         <p:strVal val="visible"/>
                                       </p:to>
                                     </p:set>
-                                    <p:animEffect transition="in" filter="fade">
-                                      <p:cBhvr>
-                                        <p:cTn id="7" dur="500"/>
-                                        <p:tgtEl>
-                                          <p:spTgt spid="4"/>
-                                        </p:tgtEl>
-                                      </p:cBhvr>
-                                    </p:animEffect>
                                   </p:childTnLst>
                                 </p:cTn>
                               </p:par>
@@ -20031,26 +20022,26 @@
                     </p:cTn>
                   </p:par>
                   <p:par>
-                    <p:cTn id="8" fill="hold">
+                    <p:cTn id="7" fill="hold">
                       <p:stCondLst>
                         <p:cond delay="indefinite"/>
                       </p:stCondLst>
                       <p:childTnLst>
                         <p:par>
-                          <p:cTn id="9" fill="hold">
+                          <p:cTn id="8" fill="hold">
                             <p:stCondLst>
                               <p:cond delay="0"/>
                             </p:stCondLst>
                             <p:childTnLst>
                               <p:par>
-                                <p:cTn id="10" presetID="2" presetClass="entr" presetSubtype="1" fill="hold" grpId="0" nodeType="clickEffect">
+                                <p:cTn id="9" presetID="1" presetClass="entr" presetSubtype="0" fill="hold" grpId="0" nodeType="clickEffect">
                                   <p:stCondLst>
                                     <p:cond delay="0"/>
                                   </p:stCondLst>
                                   <p:childTnLst>
                                     <p:set>
                                       <p:cBhvr>
-                                        <p:cTn id="11" dur="1" fill="hold">
+                                        <p:cTn id="10" dur="1" fill="hold">
                                           <p:stCondLst>
                                             <p:cond delay="0"/>
                                           </p:stCondLst>
@@ -20066,52 +20057,6 @@
                                         <p:strVal val="visible"/>
                                       </p:to>
                                     </p:set>
-                                    <p:anim calcmode="lin" valueType="num">
-                                      <p:cBhvr additive="base">
-                                        <p:cTn id="12" dur="500" fill="hold"/>
-                                        <p:tgtEl>
-                                          <p:spTgt spid="5"/>
-                                        </p:tgtEl>
-                                        <p:attrNameLst>
-                                          <p:attrName>ppt_x</p:attrName>
-                                        </p:attrNameLst>
-                                      </p:cBhvr>
-                                      <p:tavLst>
-                                        <p:tav tm="0">
-                                          <p:val>
-                                            <p:strVal val="#ppt_x"/>
-                                          </p:val>
-                                        </p:tav>
-                                        <p:tav tm="100000">
-                                          <p:val>
-                                            <p:strVal val="#ppt_x"/>
-                                          </p:val>
-                                        </p:tav>
-                                      </p:tavLst>
-                                    </p:anim>
-                                    <p:anim calcmode="lin" valueType="num">
-                                      <p:cBhvr additive="base">
-                                        <p:cTn id="13" dur="500" fill="hold"/>
-                                        <p:tgtEl>
-                                          <p:spTgt spid="5"/>
-                                        </p:tgtEl>
-                                        <p:attrNameLst>
-                                          <p:attrName>ppt_y</p:attrName>
-                                        </p:attrNameLst>
-                                      </p:cBhvr>
-                                      <p:tavLst>
-                                        <p:tav tm="0">
-                                          <p:val>
-                                            <p:strVal val="0-#ppt_h/2"/>
-                                          </p:val>
-                                        </p:tav>
-                                        <p:tav tm="100000">
-                                          <p:val>
-                                            <p:strVal val="#ppt_y"/>
-                                          </p:val>
-                                        </p:tav>
-                                      </p:tavLst>
-                                    </p:anim>
                                   </p:childTnLst>
                                 </p:cTn>
                               </p:par>
@@ -20122,32 +20067,59 @@
                     </p:cTn>
                   </p:par>
                   <p:par>
-                    <p:cTn id="14" fill="hold">
+                    <p:cTn id="11" fill="hold">
                       <p:stCondLst>
                         <p:cond delay="indefinite"/>
                       </p:stCondLst>
                       <p:childTnLst>
                         <p:par>
-                          <p:cTn id="15" fill="hold">
+                          <p:cTn id="12" fill="hold">
                             <p:stCondLst>
                               <p:cond delay="0"/>
                             </p:stCondLst>
                             <p:childTnLst>
                               <p:par>
-                                <p:cTn id="16" presetID="1" presetClass="entr" presetSubtype="0" fill="hold" nodeType="clickEffect">
+                                <p:cTn id="13" presetID="1" presetClass="entr" presetSubtype="0" fill="hold" nodeType="clickEffect">
                                   <p:stCondLst>
                                     <p:cond delay="0"/>
                                   </p:stCondLst>
                                   <p:childTnLst>
                                     <p:set>
                                       <p:cBhvr>
-                                        <p:cTn id="17" dur="1" fill="hold">
+                                        <p:cTn id="14" dur="1" fill="hold">
                                           <p:stCondLst>
                                             <p:cond delay="0"/>
                                           </p:stCondLst>
                                         </p:cTn>
                                         <p:tgtEl>
                                           <p:spTgt spid="7"/>
+                                        </p:tgtEl>
+                                        <p:attrNameLst>
+                                          <p:attrName>style.visibility</p:attrName>
+                                        </p:attrNameLst>
+                                      </p:cBhvr>
+                                      <p:to>
+                                        <p:strVal val="visible"/>
+                                      </p:to>
+                                    </p:set>
+                                  </p:childTnLst>
+                                </p:cTn>
+                              </p:par>
+                              <p:par>
+                                <p:cTn id="15" presetID="1" presetClass="entr" presetSubtype="0" fill="hold" grpId="0" nodeType="withEffect">
+                                  <p:stCondLst>
+                                    <p:cond delay="0"/>
+                                  </p:stCondLst>
+                                  <p:childTnLst>
+                                    <p:set>
+                                      <p:cBhvr>
+                                        <p:cTn id="16" dur="1" fill="hold">
+                                          <p:stCondLst>
+                                            <p:cond delay="0"/>
+                                          </p:stCondLst>
+                                        </p:cTn>
+                                        <p:tgtEl>
+                                          <p:spTgt spid="10"/>
                                         </p:tgtEl>
                                         <p:attrNameLst>
                                           <p:attrName>style.visibility</p:attrName>
@@ -20190,6 +20162,7 @@
     <p:bldLst>
       <p:bldP spid="4" grpId="0" animBg="1"/>
       <p:bldP spid="5" grpId="0" animBg="1"/>
+      <p:bldP spid="10" grpId="0" animBg="1"/>
     </p:bldLst>
   </p:timing>
 </p:sld>
